--- a/fuentes/contenidos/grado11/guion06/MA_11_06_CO_MapaConceptual.pptx
+++ b/fuentes/contenidos/grado11/guion06/MA_11_06_CO_MapaConceptual.pptx
@@ -106,10 +106,33 @@
   </p:defaultTextStyle>
   <p:extLst>
     <p:ext uri="{EFAFB233-063F-42B5-8137-9DF3F51BA10A}">
-      <p15:sldGuideLst xmlns:p15="http://schemas.microsoft.com/office/powerpoint/2012/main" xmlns=""/>
+      <p15:sldGuideLst xmlns:p15="http://schemas.microsoft.com/office/powerpoint/2012/main" xmlns="">
+        <p15:guide id="1" orient="horz" pos="2160">
+          <p15:clr>
+            <a:srgbClr val="A4A3A4"/>
+          </p15:clr>
+        </p15:guide>
+        <p15:guide id="2" pos="2880">
+          <p15:clr>
+            <a:srgbClr val="A4A3A4"/>
+          </p15:clr>
+        </p15:guide>
+      </p15:sldGuideLst>
     </p:ext>
   </p:extLst>
 </p:presentation>
+</file>
+
+<file path=ppt/commentAuthors.xml><?xml version="1.0" encoding="utf-8"?>
+<p:cmAuthorLst xmlns:a="http://schemas.openxmlformats.org/drawingml/2006/main" xmlns:r="http://schemas.openxmlformats.org/officeDocument/2006/relationships" xmlns:p="http://schemas.openxmlformats.org/presentationml/2006/main">
+  <p:cmAuthor id="1" name="user" initials="u" lastIdx="2" clrIdx="0">
+    <p:extLst>
+      <p:ext uri="{19B8F6BF-5375-455C-9EA6-DF929625EA0E}">
+        <p15:presenceInfo xmlns:p15="http://schemas.microsoft.com/office/powerpoint/2012/main" xmlns="" userId="user" providerId="None"/>
+      </p:ext>
+    </p:extLst>
+  </p:cmAuthor>
+</p:cmAuthorLst>
 </file>
 
 <file path=ppt/slideLayouts/slideLayout1.xml><?xml version="1.0" encoding="utf-8"?>
@@ -450,7 +473,7 @@
           <a:p>
             <a:fld id="{5001C876-01F7-4317-94B9-1AE222133113}" type="datetimeFigureOut">
               <a:rPr lang="es-ES" smtClean="0"/>
-              <a:t>19/08/16</a:t>
+              <a:t>22/08/16</a:t>
             </a:fld>
             <a:endParaRPr lang="es-ES"/>
           </a:p>
@@ -1136,9 +1159,9 @@
               <p:grpSpPr>
                 <a:xfrm>
                   <a:off x="397311" y="-38637"/>
-                  <a:ext cx="8649134" cy="5758192"/>
+                  <a:ext cx="8649134" cy="5753722"/>
                   <a:chOff x="397311" y="-38637"/>
-                  <a:chExt cx="8649134" cy="5758192"/>
+                  <a:chExt cx="8649134" cy="5753722"/>
                 </a:xfrm>
               </p:grpSpPr>
               <p:sp>
@@ -1187,9 +1210,9 @@
                 <p:grpSpPr>
                   <a:xfrm>
                     <a:off x="397311" y="-38637"/>
-                    <a:ext cx="7205934" cy="5758192"/>
+                    <a:ext cx="7205934" cy="5753722"/>
                     <a:chOff x="397311" y="-51515"/>
-                    <a:chExt cx="7205934" cy="5758192"/>
+                    <a:chExt cx="7205934" cy="5753722"/>
                   </a:xfrm>
                 </p:grpSpPr>
                 <p:grpSp>
@@ -1706,7 +1729,7 @@
                                   <a:latin typeface="Arial" panose="020B0604020202020204" pitchFamily="34" charset="0"/>
                                   <a:cs typeface="Arial" panose="020B0604020202020204" pitchFamily="34" charset="0"/>
                                 </a:rPr>
-                                <a:t>Variables Cualitativas</a:t>
+                                <a:t>Variables cualitativas</a:t>
                               </a:r>
                               <a:endParaRPr lang="es-ES" sz="1050" i="1" dirty="0">
                                 <a:solidFill>
@@ -1770,7 +1793,7 @@
                                   <a:latin typeface="Arial" panose="020B0604020202020204" pitchFamily="34" charset="0"/>
                                   <a:cs typeface="Arial" panose="020B0604020202020204" pitchFamily="34" charset="0"/>
                                 </a:rPr>
-                                <a:t>Variables Cuantitativas</a:t>
+                                <a:t>Variables cuantitativas</a:t>
                               </a:r>
                               <a:endParaRPr lang="es-ES" sz="1050" i="1" dirty="0">
                                 <a:solidFill>
@@ -2130,7 +2153,7 @@
                                 <a:latin typeface="Arial" panose="020B0604020202020204" pitchFamily="34" charset="0"/>
                                 <a:cs typeface="Arial" panose="020B0604020202020204" pitchFamily="34" charset="0"/>
                               </a:rPr>
-                              <a:t>Variables Estadísticas</a:t>
+                              <a:t>Variables estadísticas</a:t>
                             </a:r>
                             <a:endParaRPr lang="es-ES" sz="1050" i="1" dirty="0">
                               <a:solidFill>
@@ -2513,7 +2536,7 @@
                           <a:latin typeface="Arial" panose="020B0604020202020204" pitchFamily="34" charset="0"/>
                           <a:cs typeface="Arial" panose="020B0604020202020204" pitchFamily="34" charset="0"/>
                         </a:rPr>
-                        <a:t>Datos Agrupados</a:t>
+                        <a:t>Datos agrupados</a:t>
                       </a:r>
                       <a:endParaRPr lang="es-ES" sz="900" dirty="0">
                         <a:solidFill>
@@ -2574,7 +2597,7 @@
                           <a:latin typeface="Arial" panose="020B0604020202020204" pitchFamily="34" charset="0"/>
                           <a:cs typeface="Arial" panose="020B0604020202020204" pitchFamily="34" charset="0"/>
                         </a:rPr>
-                        <a:t>Datos No Agrupados</a:t>
+                        <a:t>Datos No agrupados</a:t>
                       </a:r>
                       <a:endParaRPr lang="es-ES" sz="900" dirty="0">
                         <a:solidFill>
@@ -2696,7 +2719,7 @@
                   <p:spPr>
                     <a:xfrm>
                       <a:off x="3866109" y="4070487"/>
-                      <a:ext cx="1088688" cy="1636190"/>
+                      <a:ext cx="1088688" cy="1631720"/>
                     </a:xfrm>
                     <a:prstGeom prst="rect">
                       <a:avLst/>
@@ -2751,7 +2774,7 @@
                           <a:latin typeface="Arial" panose="020B0604020202020204" pitchFamily="34" charset="0"/>
                           <a:cs typeface="Arial" panose="020B0604020202020204" pitchFamily="34" charset="0"/>
                         </a:rPr>
-                        <a:t>Medidas de Tendencia Central</a:t>
+                        <a:t>Medidas de tendencia central</a:t>
                       </a:r>
                     </a:p>
                     <a:p>
@@ -2783,7 +2806,7 @@
                           <a:latin typeface="Arial" panose="020B0604020202020204" pitchFamily="34" charset="0"/>
                           <a:cs typeface="Arial" panose="020B0604020202020204" pitchFamily="34" charset="0"/>
                         </a:rPr>
-                        <a:t>Coeficiente de Variación</a:t>
+                        <a:t>Coeficiente de variación</a:t>
                       </a:r>
                     </a:p>
                     <a:p>
@@ -2799,7 +2822,7 @@
                           <a:latin typeface="Arial" panose="020B0604020202020204" pitchFamily="34" charset="0"/>
                           <a:cs typeface="Arial" panose="020B0604020202020204" pitchFamily="34" charset="0"/>
                         </a:rPr>
-                        <a:t>Diagrama de Cajas y Bigotes</a:t>
+                        <a:t>Diagrama de cajas y bigotes</a:t>
                       </a:r>
                     </a:p>
                     <a:p>
@@ -2885,8 +2908,8 @@
                   </a:p>
                 </p:txBody>
               </p:sp>
-              <mc:AlternateContent xmlns:mc="http://schemas.openxmlformats.org/markup-compatibility/2006">
-                <mc:Choice xmlns:a14="http://schemas.microsoft.com/office/drawing/2010/main" Requires="a14">
+              <mc:AlternateContent xmlns:mc="http://schemas.openxmlformats.org/markup-compatibility/2006" xmlns:a14="http://schemas.microsoft.com/office/drawing/2010/main">
+                <mc:Choice Requires="a14">
                   <p:sp>
                     <p:nvSpPr>
                       <p:cNvPr id="45" name="Rectángulo 44" descr="Nodo de segundo nivel" title="Nodo02"/>
@@ -3053,7 +3076,7 @@
                     </p:txBody>
                   </p:sp>
                 </mc:Choice>
-                <mc:Fallback>
+                <mc:Fallback xmlns="">
                   <p:sp>
                     <p:nvSpPr>
                       <p:cNvPr id="45" name="Rectángulo 44" descr="Nodo de segundo nivel" title="Nodo02"/>
@@ -3163,17 +3186,7 @@
                           <a:latin typeface="Arial" panose="020B0604020202020204" pitchFamily="34" charset="0"/>
                           <a:cs typeface="Arial" panose="020B0604020202020204" pitchFamily="34" charset="0"/>
                         </a:rPr>
-                        <a:t>Poblaci</a:t>
-                      </a:r>
-                      <a:r>
-                        <a:rPr lang="es-ES" sz="900" dirty="0" smtClean="0">
-                          <a:solidFill>
-                            <a:schemeClr val="tx1"/>
-                          </a:solidFill>
-                          <a:latin typeface="Arial" panose="020B0604020202020204" pitchFamily="34" charset="0"/>
-                          <a:cs typeface="Arial" panose="020B0604020202020204" pitchFamily="34" charset="0"/>
-                        </a:rPr>
-                        <a:t>ón</a:t>
+                        <a:t>Población</a:t>
                       </a:r>
                       <a:endParaRPr lang="es-ES" sz="900" dirty="0">
                         <a:solidFill>
@@ -3237,7 +3250,7 @@
                           <a:latin typeface="Arial" panose="020B0604020202020204" pitchFamily="34" charset="0"/>
                           <a:cs typeface="Arial" panose="020B0604020202020204" pitchFamily="34" charset="0"/>
                         </a:rPr>
-                        <a:t>Muestra)</a:t>
+                        <a:t>Muestra</a:t>
                       </a:r>
                       <a:endParaRPr lang="es-ES" sz="900" dirty="0">
                         <a:solidFill>
@@ -3824,7 +3837,7 @@
                       <a:latin typeface="Arial" panose="020B0604020202020204" pitchFamily="34" charset="0"/>
                       <a:cs typeface="Arial" panose="020B0604020202020204" pitchFamily="34" charset="0"/>
                     </a:rPr>
-                    <a:t>Valor Esperado</a:t>
+                    <a:t>Valor esperado</a:t>
                   </a:r>
                 </a:p>
                 <a:p>
@@ -3896,7 +3909,7 @@
                       <a:latin typeface="Arial" panose="020B0604020202020204" pitchFamily="34" charset="0"/>
                       <a:cs typeface="Arial" panose="020B0604020202020204" pitchFamily="34" charset="0"/>
                     </a:rPr>
-                    <a:t>Distribución Binomial</a:t>
+                    <a:t>Distribución binomial</a:t>
                   </a:r>
                 </a:p>
                 <a:p>
@@ -3912,7 +3925,7 @@
                       <a:latin typeface="Arial" panose="020B0604020202020204" pitchFamily="34" charset="0"/>
                       <a:cs typeface="Arial" panose="020B0604020202020204" pitchFamily="34" charset="0"/>
                     </a:rPr>
-                    <a:t>Distribución Uniforme</a:t>
+                    <a:t>Distribución uniforme</a:t>
                   </a:r>
                 </a:p>
                 <a:p>
@@ -3928,7 +3941,7 @@
                       <a:latin typeface="Arial" panose="020B0604020202020204" pitchFamily="34" charset="0"/>
                       <a:cs typeface="Arial" panose="020B0604020202020204" pitchFamily="34" charset="0"/>
                     </a:rPr>
-                    <a:t>Distribución Normal</a:t>
+                    <a:t>Distribución normal</a:t>
                   </a:r>
                 </a:p>
               </p:txBody>
